--- a/api/论文管理系统.pptx
+++ b/api/论文管理系统.pptx
@@ -11423,18 +11423,14 @@
           <a:p>
             <a:pPr algn="ctr"/>
             <a:r>
-              <a:rPr lang="zh-CN" altLang="en-US" sz="800"/>
-              <a:t>学生</a:t>
-            </a:r>
-            <a:r>
-              <a:rPr lang="zh-CN" altLang="en-US" sz="800">
+              <a:rPr lang="zh-CN" altLang="zh-CN" sz="800">
                 <a:solidFill>
                   <a:schemeClr val="tx1"/>
                 </a:solidFill>
               </a:rPr>
-              <a:t>信息</a:t>
-            </a:r>
-            <a:endParaRPr lang="zh-CN" altLang="en-US" sz="800">
+              <a:t>学生信息</a:t>
+            </a:r>
+            <a:endParaRPr lang="zh-CN" altLang="zh-CN" sz="800">
               <a:solidFill>
                 <a:schemeClr val="tx1"/>
               </a:solidFill>
@@ -12862,8 +12858,8 @@
         </p:nvSpPr>
         <p:spPr>
           <a:xfrm>
-            <a:off x="2880360" y="1836420"/>
-            <a:ext cx="951865" cy="304800"/>
+            <a:off x="2480945" y="1836420"/>
+            <a:ext cx="1351915" cy="304800"/>
           </a:xfrm>
           <a:prstGeom prst="rect">
             <a:avLst/>
@@ -12876,10 +12872,10 @@
           </a:bodyPr>
           <a:p>
             <a:r>
-              <a:rPr lang="zh-CN" altLang="en-US" sz="1400"/>
-              <a:t>批量导入</a:t>
-            </a:r>
-            <a:endParaRPr lang="zh-CN" altLang="en-US" sz="1400"/>
+              <a:rPr lang="zh-CN" altLang="zh-CN" sz="1400"/>
+              <a:t>研究方向导入</a:t>
+            </a:r>
+            <a:endParaRPr lang="zh-CN" altLang="zh-CN" sz="1400"/>
           </a:p>
         </p:txBody>
       </p:sp>
@@ -12973,6 +12969,1233 @@
               <a:t>列表</a:t>
             </a:r>
             <a:endParaRPr lang="zh-CN" altLang="zh-CN" sz="800">
+              <a:solidFill>
+                <a:schemeClr val="tx1"/>
+              </a:solidFill>
+            </a:endParaRPr>
+          </a:p>
+        </p:txBody>
+      </p:sp>
+      <p:sp>
+        <p:nvSpPr>
+          <p:cNvPr id="23" name="矩形 22"/>
+          <p:cNvSpPr/>
+          <p:nvPr/>
+        </p:nvSpPr>
+        <p:spPr>
+          <a:xfrm>
+            <a:off x="3832860" y="2777490"/>
+            <a:ext cx="1255395" cy="237490"/>
+          </a:xfrm>
+          <a:prstGeom prst="rect">
+            <a:avLst/>
+          </a:prstGeom>
+          <a:solidFill>
+            <a:schemeClr val="bg1"/>
+          </a:solidFill>
+        </p:spPr>
+        <p:style>
+          <a:lnRef idx="2">
+            <a:schemeClr val="accent1">
+              <a:shade val="50000"/>
+            </a:schemeClr>
+          </a:lnRef>
+          <a:fillRef idx="1">
+            <a:schemeClr val="accent1"/>
+          </a:fillRef>
+          <a:effectRef idx="0">
+            <a:schemeClr val="accent1"/>
+          </a:effectRef>
+          <a:fontRef idx="minor">
+            <a:schemeClr val="lt1"/>
+          </a:fontRef>
+        </p:style>
+        <p:txBody>
+          <a:bodyPr rtlCol="0" anchor="ctr"/>
+          <a:p>
+            <a:pPr algn="ctr"/>
+            <a:endParaRPr lang="zh-CN" altLang="en-US">
+              <a:solidFill>
+                <a:schemeClr val="tx1"/>
+              </a:solidFill>
+            </a:endParaRPr>
+          </a:p>
+        </p:txBody>
+      </p:sp>
+      <p:sp>
+        <p:nvSpPr>
+          <p:cNvPr id="24" name="矩形 23"/>
+          <p:cNvSpPr/>
+          <p:nvPr/>
+        </p:nvSpPr>
+        <p:spPr>
+          <a:xfrm>
+            <a:off x="3633470" y="3147060"/>
+            <a:ext cx="833755" cy="180340"/>
+          </a:xfrm>
+          <a:prstGeom prst="rect">
+            <a:avLst/>
+          </a:prstGeom>
+        </p:spPr>
+        <p:style>
+          <a:lnRef idx="2">
+            <a:schemeClr val="accent1">
+              <a:shade val="50000"/>
+            </a:schemeClr>
+          </a:lnRef>
+          <a:fillRef idx="1">
+            <a:schemeClr val="accent1"/>
+          </a:fillRef>
+          <a:effectRef idx="0">
+            <a:schemeClr val="accent1"/>
+          </a:effectRef>
+          <a:fontRef idx="minor">
+            <a:schemeClr val="lt1"/>
+          </a:fontRef>
+        </p:style>
+        <p:txBody>
+          <a:bodyPr rtlCol="0" anchor="ctr"/>
+          <a:p>
+            <a:pPr algn="ctr"/>
+            <a:r>
+              <a:rPr lang="zh-CN" altLang="en-US" sz="1200"/>
+              <a:t>保存</a:t>
+            </a:r>
+            <a:endParaRPr lang="zh-CN" altLang="en-US" sz="1200"/>
+          </a:p>
+        </p:txBody>
+      </p:sp>
+      <p:sp>
+        <p:nvSpPr>
+          <p:cNvPr id="25" name="文本框 24"/>
+          <p:cNvSpPr txBox="1"/>
+          <p:nvPr/>
+        </p:nvSpPr>
+        <p:spPr>
+          <a:xfrm>
+            <a:off x="2579370" y="2753995"/>
+            <a:ext cx="1351915" cy="304800"/>
+          </a:xfrm>
+          <a:prstGeom prst="rect">
+            <a:avLst/>
+          </a:prstGeom>
+          <a:noFill/>
+        </p:spPr>
+        <p:txBody>
+          <a:bodyPr wrap="square" rtlCol="0">
+            <a:spAutoFit/>
+          </a:bodyPr>
+          <a:p>
+            <a:r>
+              <a:rPr lang="zh-CN" altLang="zh-CN" sz="1400"/>
+              <a:t>关键字导入</a:t>
+            </a:r>
+            <a:endParaRPr lang="zh-CN" altLang="zh-CN" sz="1400"/>
+          </a:p>
+        </p:txBody>
+      </p:sp>
+      <p:sp>
+        <p:nvSpPr>
+          <p:cNvPr id="26" name="矩形 25"/>
+          <p:cNvSpPr/>
+          <p:nvPr/>
+        </p:nvSpPr>
+        <p:spPr>
+          <a:xfrm>
+            <a:off x="4559300" y="2773045"/>
+            <a:ext cx="552450" cy="247650"/>
+          </a:xfrm>
+          <a:prstGeom prst="rect">
+            <a:avLst/>
+          </a:prstGeom>
+        </p:spPr>
+        <p:style>
+          <a:lnRef idx="2">
+            <a:schemeClr val="accent1">
+              <a:shade val="50000"/>
+            </a:schemeClr>
+          </a:lnRef>
+          <a:fillRef idx="1">
+            <a:schemeClr val="accent1"/>
+          </a:fillRef>
+          <a:effectRef idx="0">
+            <a:schemeClr val="accent1"/>
+          </a:effectRef>
+          <a:fontRef idx="minor">
+            <a:schemeClr val="lt1"/>
+          </a:fontRef>
+        </p:style>
+        <p:txBody>
+          <a:bodyPr rtlCol="0" anchor="ctr"/>
+          <a:p>
+            <a:pPr algn="ctr"/>
+            <a:r>
+              <a:rPr lang="zh-CN" altLang="en-US" sz="1200"/>
+              <a:t>上传</a:t>
+            </a:r>
+            <a:endParaRPr lang="zh-CN" altLang="en-US" sz="1200"/>
+          </a:p>
+        </p:txBody>
+      </p:sp>
+      <p:sp>
+        <p:nvSpPr>
+          <p:cNvPr id="28" name="矩形 27"/>
+          <p:cNvSpPr/>
+          <p:nvPr/>
+        </p:nvSpPr>
+        <p:spPr>
+          <a:xfrm>
+            <a:off x="6222365" y="48895"/>
+            <a:ext cx="5541010" cy="5837555"/>
+          </a:xfrm>
+          <a:prstGeom prst="rect">
+            <a:avLst/>
+          </a:prstGeom>
+          <a:ln>
+            <a:solidFill>
+              <a:schemeClr val="bg2"/>
+            </a:solidFill>
+          </a:ln>
+        </p:spPr>
+        <p:style>
+          <a:lnRef idx="2">
+            <a:schemeClr val="accent6"/>
+          </a:lnRef>
+          <a:fillRef idx="1">
+            <a:schemeClr val="lt1"/>
+          </a:fillRef>
+          <a:effectRef idx="0">
+            <a:schemeClr val="accent6"/>
+          </a:effectRef>
+          <a:fontRef idx="minor">
+            <a:schemeClr val="dk1"/>
+          </a:fontRef>
+        </p:style>
+        <p:txBody>
+          <a:bodyPr rtlCol="0" anchor="ctr"/>
+          <a:p>
+            <a:pPr algn="ctr"/>
+            <a:endParaRPr lang="zh-CN" altLang="en-US"/>
+          </a:p>
+        </p:txBody>
+      </p:sp>
+      <p:sp>
+        <p:nvSpPr>
+          <p:cNvPr id="30" name="矩形 29"/>
+          <p:cNvSpPr/>
+          <p:nvPr/>
+        </p:nvSpPr>
+        <p:spPr>
+          <a:xfrm>
+            <a:off x="6989445" y="66040"/>
+            <a:ext cx="3975100" cy="608330"/>
+          </a:xfrm>
+          <a:prstGeom prst="rect">
+            <a:avLst/>
+          </a:prstGeom>
+        </p:spPr>
+        <p:style>
+          <a:lnRef idx="2">
+            <a:schemeClr val="accent1">
+              <a:shade val="50000"/>
+            </a:schemeClr>
+          </a:lnRef>
+          <a:fillRef idx="1">
+            <a:schemeClr val="accent1"/>
+          </a:fillRef>
+          <a:effectRef idx="0">
+            <a:schemeClr val="accent1"/>
+          </a:effectRef>
+          <a:fontRef idx="minor">
+            <a:schemeClr val="lt1"/>
+          </a:fontRef>
+        </p:style>
+        <p:txBody>
+          <a:bodyPr rtlCol="0" anchor="ctr"/>
+          <a:p>
+            <a:pPr algn="ctr"/>
+            <a:endParaRPr lang="zh-CN" altLang="en-US">
+              <a:solidFill>
+                <a:schemeClr val="bg1"/>
+              </a:solidFill>
+            </a:endParaRPr>
+          </a:p>
+        </p:txBody>
+      </p:sp>
+      <p:sp>
+        <p:nvSpPr>
+          <p:cNvPr id="32" name="矩形 31"/>
+          <p:cNvSpPr/>
+          <p:nvPr/>
+        </p:nvSpPr>
+        <p:spPr>
+          <a:xfrm>
+            <a:off x="6988810" y="66040"/>
+            <a:ext cx="1160145" cy="617855"/>
+          </a:xfrm>
+          <a:prstGeom prst="rect">
+            <a:avLst/>
+          </a:prstGeom>
+        </p:spPr>
+        <p:style>
+          <a:lnRef idx="2">
+            <a:schemeClr val="accent1">
+              <a:shade val="50000"/>
+            </a:schemeClr>
+          </a:lnRef>
+          <a:fillRef idx="1">
+            <a:schemeClr val="accent1"/>
+          </a:fillRef>
+          <a:effectRef idx="0">
+            <a:schemeClr val="accent1"/>
+          </a:effectRef>
+          <a:fontRef idx="minor">
+            <a:schemeClr val="lt1"/>
+          </a:fontRef>
+        </p:style>
+        <p:txBody>
+          <a:bodyPr rtlCol="0" anchor="ctr"/>
+          <a:p>
+            <a:pPr algn="ctr"/>
+            <a:r>
+              <a:rPr lang="en-US" altLang="zh-CN"/>
+              <a:t>LOGO</a:t>
+            </a:r>
+            <a:endParaRPr lang="en-US" altLang="zh-CN"/>
+          </a:p>
+        </p:txBody>
+      </p:sp>
+      <p:sp>
+        <p:nvSpPr>
+          <p:cNvPr id="35" name="矩形 34"/>
+          <p:cNvSpPr/>
+          <p:nvPr/>
+        </p:nvSpPr>
+        <p:spPr>
+          <a:xfrm>
+            <a:off x="9556750" y="75565"/>
+            <a:ext cx="646430" cy="598805"/>
+          </a:xfrm>
+          <a:prstGeom prst="rect">
+            <a:avLst/>
+          </a:prstGeom>
+        </p:spPr>
+        <p:style>
+          <a:lnRef idx="2">
+            <a:schemeClr val="accent1">
+              <a:shade val="50000"/>
+            </a:schemeClr>
+          </a:lnRef>
+          <a:fillRef idx="1">
+            <a:schemeClr val="accent1"/>
+          </a:fillRef>
+          <a:effectRef idx="0">
+            <a:schemeClr val="accent1"/>
+          </a:effectRef>
+          <a:fontRef idx="minor">
+            <a:schemeClr val="lt1"/>
+          </a:fontRef>
+        </p:style>
+        <p:txBody>
+          <a:bodyPr rtlCol="0" anchor="ctr"/>
+          <a:p>
+            <a:pPr algn="ctr"/>
+            <a:r>
+              <a:rPr lang="zh-CN" altLang="zh-CN"/>
+              <a:t>管理员</a:t>
+            </a:r>
+            <a:endParaRPr lang="zh-CN" altLang="zh-CN"/>
+          </a:p>
+        </p:txBody>
+      </p:sp>
+      <p:sp>
+        <p:nvSpPr>
+          <p:cNvPr id="36" name="矩形 35"/>
+          <p:cNvSpPr/>
+          <p:nvPr/>
+        </p:nvSpPr>
+        <p:spPr>
+          <a:xfrm>
+            <a:off x="10222230" y="75565"/>
+            <a:ext cx="608965" cy="608330"/>
+          </a:xfrm>
+          <a:prstGeom prst="rect">
+            <a:avLst/>
+          </a:prstGeom>
+        </p:spPr>
+        <p:style>
+          <a:lnRef idx="2">
+            <a:schemeClr val="accent1">
+              <a:shade val="50000"/>
+            </a:schemeClr>
+          </a:lnRef>
+          <a:fillRef idx="1">
+            <a:schemeClr val="accent1"/>
+          </a:fillRef>
+          <a:effectRef idx="0">
+            <a:schemeClr val="accent1"/>
+          </a:effectRef>
+          <a:fontRef idx="minor">
+            <a:schemeClr val="lt1"/>
+          </a:fontRef>
+        </p:style>
+        <p:txBody>
+          <a:bodyPr rtlCol="0" anchor="ctr"/>
+          <a:p>
+            <a:pPr algn="ctr"/>
+            <a:r>
+              <a:rPr lang="zh-CN" altLang="en-US"/>
+              <a:t>登出</a:t>
+            </a:r>
+            <a:endParaRPr lang="zh-CN" altLang="en-US"/>
+          </a:p>
+        </p:txBody>
+      </p:sp>
+      <p:sp>
+        <p:nvSpPr>
+          <p:cNvPr id="37" name="矩形 36"/>
+          <p:cNvSpPr/>
+          <p:nvPr/>
+        </p:nvSpPr>
+        <p:spPr>
+          <a:xfrm>
+            <a:off x="7235825" y="1435735"/>
+            <a:ext cx="1216660" cy="314325"/>
+          </a:xfrm>
+          <a:prstGeom prst="rect">
+            <a:avLst/>
+          </a:prstGeom>
+          <a:solidFill>
+            <a:schemeClr val="bg1"/>
+          </a:solidFill>
+        </p:spPr>
+        <p:style>
+          <a:lnRef idx="2">
+            <a:schemeClr val="accent1">
+              <a:shade val="50000"/>
+            </a:schemeClr>
+          </a:lnRef>
+          <a:fillRef idx="1">
+            <a:schemeClr val="accent1"/>
+          </a:fillRef>
+          <a:effectRef idx="0">
+            <a:schemeClr val="accent1"/>
+          </a:effectRef>
+          <a:fontRef idx="minor">
+            <a:schemeClr val="lt1"/>
+          </a:fontRef>
+        </p:style>
+        <p:txBody>
+          <a:bodyPr rtlCol="0" anchor="ctr"/>
+          <a:p>
+            <a:pPr algn="ctr"/>
+            <a:r>
+              <a:rPr lang="zh-CN" altLang="en-US">
+                <a:solidFill>
+                  <a:schemeClr val="tx1"/>
+                </a:solidFill>
+              </a:rPr>
+              <a:t>个人信息</a:t>
+            </a:r>
+            <a:endParaRPr lang="zh-CN" altLang="en-US">
+              <a:solidFill>
+                <a:schemeClr val="tx1"/>
+              </a:solidFill>
+            </a:endParaRPr>
+          </a:p>
+        </p:txBody>
+      </p:sp>
+      <p:sp>
+        <p:nvSpPr>
+          <p:cNvPr id="38" name="矩形 37"/>
+          <p:cNvSpPr/>
+          <p:nvPr/>
+        </p:nvSpPr>
+        <p:spPr>
+          <a:xfrm>
+            <a:off x="7230110" y="1809750"/>
+            <a:ext cx="1216660" cy="314325"/>
+          </a:xfrm>
+          <a:prstGeom prst="rect">
+            <a:avLst/>
+          </a:prstGeom>
+          <a:solidFill>
+            <a:schemeClr val="bg1"/>
+          </a:solidFill>
+        </p:spPr>
+        <p:style>
+          <a:lnRef idx="2">
+            <a:schemeClr val="accent1">
+              <a:shade val="50000"/>
+            </a:schemeClr>
+          </a:lnRef>
+          <a:fillRef idx="1">
+            <a:schemeClr val="accent1"/>
+          </a:fillRef>
+          <a:effectRef idx="0">
+            <a:schemeClr val="accent1"/>
+          </a:effectRef>
+          <a:fontRef idx="minor">
+            <a:schemeClr val="lt1"/>
+          </a:fontRef>
+        </p:style>
+        <p:txBody>
+          <a:bodyPr rtlCol="0" anchor="ctr"/>
+          <a:p>
+            <a:pPr algn="ctr"/>
+            <a:r>
+              <a:rPr lang="zh-CN" altLang="en-US">
+                <a:solidFill>
+                  <a:schemeClr val="tx1"/>
+                </a:solidFill>
+              </a:rPr>
+              <a:t>信息导入</a:t>
+            </a:r>
+            <a:endParaRPr lang="zh-CN" altLang="en-US">
+              <a:solidFill>
+                <a:schemeClr val="tx1"/>
+              </a:solidFill>
+            </a:endParaRPr>
+          </a:p>
+        </p:txBody>
+      </p:sp>
+      <p:sp>
+        <p:nvSpPr>
+          <p:cNvPr id="39" name="矩形 38"/>
+          <p:cNvSpPr/>
+          <p:nvPr/>
+        </p:nvSpPr>
+        <p:spPr>
+          <a:xfrm>
+            <a:off x="8587740" y="1445895"/>
+            <a:ext cx="2348865" cy="3625215"/>
+          </a:xfrm>
+          <a:prstGeom prst="rect">
+            <a:avLst/>
+          </a:prstGeom>
+          <a:noFill/>
+        </p:spPr>
+        <p:style>
+          <a:lnRef idx="2">
+            <a:schemeClr val="accent1">
+              <a:shade val="50000"/>
+            </a:schemeClr>
+          </a:lnRef>
+          <a:fillRef idx="1">
+            <a:schemeClr val="accent1"/>
+          </a:fillRef>
+          <a:effectRef idx="0">
+            <a:schemeClr val="accent1"/>
+          </a:effectRef>
+          <a:fontRef idx="minor">
+            <a:schemeClr val="lt1"/>
+          </a:fontRef>
+        </p:style>
+        <p:txBody>
+          <a:bodyPr rtlCol="0" anchor="ctr"/>
+          <a:p>
+            <a:pPr algn="ctr"/>
+            <a:endParaRPr lang="zh-CN" altLang="en-US"/>
+          </a:p>
+        </p:txBody>
+      </p:sp>
+      <p:sp>
+        <p:nvSpPr>
+          <p:cNvPr id="40" name="矩形 39"/>
+          <p:cNvSpPr/>
+          <p:nvPr/>
+        </p:nvSpPr>
+        <p:spPr>
+          <a:xfrm>
+            <a:off x="7223760" y="2241550"/>
+            <a:ext cx="1216660" cy="314325"/>
+          </a:xfrm>
+          <a:prstGeom prst="rect">
+            <a:avLst/>
+          </a:prstGeom>
+          <a:solidFill>
+            <a:schemeClr val="bg1"/>
+          </a:solidFill>
+        </p:spPr>
+        <p:style>
+          <a:lnRef idx="2">
+            <a:schemeClr val="accent1">
+              <a:shade val="50000"/>
+            </a:schemeClr>
+          </a:lnRef>
+          <a:fillRef idx="1">
+            <a:schemeClr val="accent1"/>
+          </a:fillRef>
+          <a:effectRef idx="0">
+            <a:schemeClr val="accent1"/>
+          </a:effectRef>
+          <a:fontRef idx="minor">
+            <a:schemeClr val="lt1"/>
+          </a:fontRef>
+        </p:style>
+        <p:txBody>
+          <a:bodyPr rtlCol="0" anchor="ctr"/>
+          <a:p>
+            <a:pPr algn="ctr"/>
+            <a:r>
+              <a:rPr lang="zh-CN" altLang="en-US">
+                <a:solidFill>
+                  <a:schemeClr val="tx1"/>
+                </a:solidFill>
+              </a:rPr>
+              <a:t>信息管理</a:t>
+            </a:r>
+            <a:endParaRPr lang="zh-CN" altLang="en-US">
+              <a:solidFill>
+                <a:schemeClr val="tx1"/>
+              </a:solidFill>
+            </a:endParaRPr>
+          </a:p>
+        </p:txBody>
+      </p:sp>
+      <p:sp>
+        <p:nvSpPr>
+          <p:cNvPr id="41" name="矩形 40"/>
+          <p:cNvSpPr/>
+          <p:nvPr/>
+        </p:nvSpPr>
+        <p:spPr>
+          <a:xfrm>
+            <a:off x="7214235" y="3070225"/>
+            <a:ext cx="1216660" cy="314325"/>
+          </a:xfrm>
+          <a:prstGeom prst="rect">
+            <a:avLst/>
+          </a:prstGeom>
+          <a:solidFill>
+            <a:schemeClr val="bg1"/>
+          </a:solidFill>
+        </p:spPr>
+        <p:style>
+          <a:lnRef idx="2">
+            <a:schemeClr val="accent1">
+              <a:shade val="50000"/>
+            </a:schemeClr>
+          </a:lnRef>
+          <a:fillRef idx="1">
+            <a:schemeClr val="accent1"/>
+          </a:fillRef>
+          <a:effectRef idx="0">
+            <a:schemeClr val="accent1"/>
+          </a:effectRef>
+          <a:fontRef idx="minor">
+            <a:schemeClr val="lt1"/>
+          </a:fontRef>
+        </p:style>
+        <p:txBody>
+          <a:bodyPr rtlCol="0" anchor="ctr"/>
+          <a:p>
+            <a:pPr algn="ctr"/>
+            <a:r>
+              <a:rPr lang="zh-CN" altLang="en-US">
+                <a:solidFill>
+                  <a:schemeClr val="tx1"/>
+                </a:solidFill>
+              </a:rPr>
+              <a:t>匹配结果</a:t>
+            </a:r>
+            <a:endParaRPr lang="zh-CN" altLang="en-US">
+              <a:solidFill>
+                <a:schemeClr val="tx1"/>
+              </a:solidFill>
+            </a:endParaRPr>
+          </a:p>
+        </p:txBody>
+      </p:sp>
+      <p:sp>
+        <p:nvSpPr>
+          <p:cNvPr id="42" name="矩形 41"/>
+          <p:cNvSpPr/>
+          <p:nvPr/>
+        </p:nvSpPr>
+        <p:spPr>
+          <a:xfrm>
+            <a:off x="8592820" y="1194435"/>
+            <a:ext cx="655955" cy="247015"/>
+          </a:xfrm>
+          <a:prstGeom prst="rect">
+            <a:avLst/>
+          </a:prstGeom>
+          <a:solidFill>
+            <a:schemeClr val="bg1"/>
+          </a:solidFill>
+        </p:spPr>
+        <p:style>
+          <a:lnRef idx="2">
+            <a:schemeClr val="accent1">
+              <a:shade val="50000"/>
+            </a:schemeClr>
+          </a:lnRef>
+          <a:fillRef idx="1">
+            <a:schemeClr val="accent1"/>
+          </a:fillRef>
+          <a:effectRef idx="0">
+            <a:schemeClr val="accent1"/>
+          </a:effectRef>
+          <a:fontRef idx="minor">
+            <a:schemeClr val="lt1"/>
+          </a:fontRef>
+        </p:style>
+        <p:txBody>
+          <a:bodyPr rtlCol="0" anchor="ctr"/>
+          <a:p>
+            <a:pPr algn="ctr"/>
+            <a:r>
+              <a:rPr lang="zh-CN" altLang="en-US" sz="800">
+                <a:solidFill>
+                  <a:schemeClr val="tx1"/>
+                </a:solidFill>
+              </a:rPr>
+              <a:t>导入</a:t>
+            </a:r>
+            <a:endParaRPr lang="zh-CN" altLang="en-US" sz="800">
+              <a:solidFill>
+                <a:schemeClr val="tx1"/>
+              </a:solidFill>
+            </a:endParaRPr>
+          </a:p>
+        </p:txBody>
+      </p:sp>
+      <p:sp>
+        <p:nvSpPr>
+          <p:cNvPr id="43" name="矩形 42"/>
+          <p:cNvSpPr/>
+          <p:nvPr/>
+        </p:nvSpPr>
+        <p:spPr>
+          <a:xfrm>
+            <a:off x="7207885" y="2654300"/>
+            <a:ext cx="1216660" cy="314325"/>
+          </a:xfrm>
+          <a:prstGeom prst="rect">
+            <a:avLst/>
+          </a:prstGeom>
+          <a:solidFill>
+            <a:schemeClr val="accent1"/>
+          </a:solidFill>
+        </p:spPr>
+        <p:style>
+          <a:lnRef idx="2">
+            <a:schemeClr val="accent1">
+              <a:shade val="50000"/>
+            </a:schemeClr>
+          </a:lnRef>
+          <a:fillRef idx="1">
+            <a:schemeClr val="accent1"/>
+          </a:fillRef>
+          <a:effectRef idx="0">
+            <a:schemeClr val="accent1"/>
+          </a:effectRef>
+          <a:fontRef idx="minor">
+            <a:schemeClr val="lt1"/>
+          </a:fontRef>
+        </p:style>
+        <p:txBody>
+          <a:bodyPr rtlCol="0" anchor="ctr"/>
+          <a:p>
+            <a:pPr algn="ctr"/>
+            <a:r>
+              <a:rPr lang="zh-CN" altLang="en-US">
+                <a:solidFill>
+                  <a:schemeClr val="bg1"/>
+                </a:solidFill>
+              </a:rPr>
+              <a:t>关键字</a:t>
+            </a:r>
+            <a:endParaRPr lang="zh-CN" altLang="en-US">
+              <a:solidFill>
+                <a:schemeClr val="bg1"/>
+              </a:solidFill>
+            </a:endParaRPr>
+          </a:p>
+        </p:txBody>
+      </p:sp>
+      <p:sp>
+        <p:nvSpPr>
+          <p:cNvPr id="48" name="矩形 47"/>
+          <p:cNvSpPr/>
+          <p:nvPr/>
+        </p:nvSpPr>
+        <p:spPr>
+          <a:xfrm>
+            <a:off x="9281795" y="1197610"/>
+            <a:ext cx="655955" cy="247015"/>
+          </a:xfrm>
+          <a:prstGeom prst="rect">
+            <a:avLst/>
+          </a:prstGeom>
+          <a:solidFill>
+            <a:schemeClr val="accent1"/>
+          </a:solidFill>
+        </p:spPr>
+        <p:style>
+          <a:lnRef idx="2">
+            <a:schemeClr val="accent1">
+              <a:shade val="50000"/>
+            </a:schemeClr>
+          </a:lnRef>
+          <a:fillRef idx="1">
+            <a:schemeClr val="accent1"/>
+          </a:fillRef>
+          <a:effectRef idx="0">
+            <a:schemeClr val="accent1"/>
+          </a:effectRef>
+          <a:fontRef idx="minor">
+            <a:schemeClr val="lt1"/>
+          </a:fontRef>
+        </p:style>
+        <p:txBody>
+          <a:bodyPr rtlCol="0" anchor="ctr"/>
+          <a:p>
+            <a:pPr algn="ctr"/>
+            <a:r>
+              <a:rPr lang="zh-CN" altLang="zh-CN" sz="800">
+                <a:solidFill>
+                  <a:schemeClr val="bg1"/>
+                </a:solidFill>
+              </a:rPr>
+              <a:t>列表</a:t>
+            </a:r>
+            <a:endParaRPr lang="zh-CN" altLang="zh-CN" sz="800">
+              <a:solidFill>
+                <a:schemeClr val="bg1"/>
+              </a:solidFill>
+            </a:endParaRPr>
+          </a:p>
+        </p:txBody>
+      </p:sp>
+      <p:sp>
+        <p:nvSpPr>
+          <p:cNvPr id="53" name="文本框 52"/>
+          <p:cNvSpPr txBox="1"/>
+          <p:nvPr/>
+        </p:nvSpPr>
+        <p:spPr>
+          <a:xfrm>
+            <a:off x="8611235" y="1638300"/>
+            <a:ext cx="2608580" cy="214630"/>
+          </a:xfrm>
+          <a:prstGeom prst="rect">
+            <a:avLst/>
+          </a:prstGeom>
+          <a:noFill/>
+        </p:spPr>
+        <p:txBody>
+          <a:bodyPr wrap="square" rtlCol="0">
+            <a:spAutoFit/>
+          </a:bodyPr>
+          <a:p>
+            <a:r>
+              <a:rPr lang="en-US" altLang="zh-CN" sz="800"/>
+              <a:t>1</a:t>
+            </a:r>
+            <a:r>
+              <a:rPr lang="zh-CN" altLang="en-US" sz="800"/>
+              <a:t>级研究方向        </a:t>
+            </a:r>
+            <a:r>
+              <a:rPr lang="en-US" altLang="zh-CN" sz="800"/>
+              <a:t>2</a:t>
+            </a:r>
+            <a:r>
+              <a:rPr lang="zh-CN" altLang="en-US" sz="800"/>
+              <a:t>级研究方向           关键字</a:t>
+            </a:r>
+            <a:endParaRPr lang="zh-CN" altLang="en-US" sz="800"/>
+          </a:p>
+        </p:txBody>
+      </p:sp>
+      <p:sp>
+        <p:nvSpPr>
+          <p:cNvPr id="54" name="文本框 53"/>
+          <p:cNvSpPr txBox="1"/>
+          <p:nvPr/>
+        </p:nvSpPr>
+        <p:spPr>
+          <a:xfrm>
+            <a:off x="8604885" y="2060575"/>
+            <a:ext cx="2608580" cy="214630"/>
+          </a:xfrm>
+          <a:prstGeom prst="rect">
+            <a:avLst/>
+          </a:prstGeom>
+          <a:noFill/>
+        </p:spPr>
+        <p:txBody>
+          <a:bodyPr wrap="square" rtlCol="0">
+            <a:spAutoFit/>
+          </a:bodyPr>
+          <a:p>
+            <a:r>
+              <a:rPr lang="zh-CN" altLang="en-US" sz="800"/>
+              <a:t>信息论                     </a:t>
+            </a:r>
+            <a:r>
+              <a:rPr lang="zh-CN" sz="800"/>
+              <a:t>经典信息论</a:t>
+            </a:r>
+            <a:r>
+              <a:rPr lang="zh-CN" altLang="en-US" sz="800"/>
+              <a:t>        关键字</a:t>
+            </a:r>
+            <a:r>
+              <a:rPr lang="en-US" altLang="zh-CN" sz="800"/>
+              <a:t>1</a:t>
+            </a:r>
+            <a:r>
+              <a:rPr lang="zh-CN" altLang="en-US" sz="800"/>
+              <a:t>，关键字</a:t>
+            </a:r>
+            <a:r>
+              <a:rPr lang="en-US" altLang="zh-CN" sz="800"/>
+              <a:t>2..</a:t>
+            </a:r>
+            <a:endParaRPr lang="zh-CN" altLang="en-US" sz="800"/>
+          </a:p>
+        </p:txBody>
+      </p:sp>
+      <p:cxnSp>
+        <p:nvCxnSpPr>
+          <p:cNvPr id="72" name="直接连接符 71"/>
+          <p:cNvCxnSpPr/>
+          <p:nvPr/>
+        </p:nvCxnSpPr>
+        <p:spPr>
+          <a:xfrm>
+            <a:off x="8591550" y="1914525"/>
+            <a:ext cx="2381250" cy="0"/>
+          </a:xfrm>
+          <a:prstGeom prst="line">
+            <a:avLst/>
+          </a:prstGeom>
+        </p:spPr>
+        <p:style>
+          <a:lnRef idx="1">
+            <a:schemeClr val="accent1"/>
+          </a:lnRef>
+          <a:fillRef idx="0">
+            <a:schemeClr val="accent1"/>
+          </a:fillRef>
+          <a:effectRef idx="0">
+            <a:schemeClr val="accent1"/>
+          </a:effectRef>
+          <a:fontRef idx="minor">
+            <a:schemeClr val="tx1"/>
+          </a:fontRef>
+        </p:style>
+      </p:cxnSp>
+      <p:sp>
+        <p:nvSpPr>
+          <p:cNvPr id="74" name="矩形 73"/>
+          <p:cNvSpPr/>
+          <p:nvPr/>
+        </p:nvSpPr>
+        <p:spPr>
+          <a:xfrm>
+            <a:off x="9496425" y="4676775"/>
+            <a:ext cx="447675" cy="171450"/>
+          </a:xfrm>
+          <a:prstGeom prst="rect">
+            <a:avLst/>
+          </a:prstGeom>
+        </p:spPr>
+        <p:style>
+          <a:lnRef idx="2">
+            <a:schemeClr val="accent1">
+              <a:shade val="50000"/>
+            </a:schemeClr>
+          </a:lnRef>
+          <a:fillRef idx="1">
+            <a:schemeClr val="accent1"/>
+          </a:fillRef>
+          <a:effectRef idx="0">
+            <a:schemeClr val="accent1"/>
+          </a:effectRef>
+          <a:fontRef idx="minor">
+            <a:schemeClr val="lt1"/>
+          </a:fontRef>
+        </p:style>
+        <p:txBody>
+          <a:bodyPr rtlCol="0" anchor="ctr"/>
+          <a:p>
+            <a:pPr algn="ctr"/>
+            <a:r>
+              <a:rPr lang="zh-CN" altLang="en-US" sz="800"/>
+              <a:t>添加</a:t>
+            </a:r>
+            <a:endParaRPr lang="zh-CN" altLang="en-US" sz="800"/>
+          </a:p>
+        </p:txBody>
+      </p:sp>
+      <p:cxnSp>
+        <p:nvCxnSpPr>
+          <p:cNvPr id="73" name="直接连接符 72"/>
+          <p:cNvCxnSpPr/>
+          <p:nvPr/>
+        </p:nvCxnSpPr>
+        <p:spPr>
+          <a:xfrm>
+            <a:off x="8772525" y="3371850"/>
+            <a:ext cx="1962150" cy="0"/>
+          </a:xfrm>
+          <a:prstGeom prst="line">
+            <a:avLst/>
+          </a:prstGeom>
+        </p:spPr>
+        <p:style>
+          <a:lnRef idx="1">
+            <a:schemeClr val="accent1"/>
+          </a:lnRef>
+          <a:fillRef idx="0">
+            <a:schemeClr val="accent1"/>
+          </a:fillRef>
+          <a:effectRef idx="0">
+            <a:schemeClr val="accent1"/>
+          </a:effectRef>
+          <a:fontRef idx="minor">
+            <a:schemeClr val="tx1"/>
+          </a:fontRef>
+        </p:style>
+      </p:cxnSp>
+      <p:sp>
+        <p:nvSpPr>
+          <p:cNvPr id="77" name="矩形 76"/>
+          <p:cNvSpPr/>
+          <p:nvPr/>
+        </p:nvSpPr>
+        <p:spPr>
+          <a:xfrm>
+            <a:off x="9496425" y="3486785"/>
+            <a:ext cx="1104900" cy="219075"/>
+          </a:xfrm>
+          <a:prstGeom prst="rect">
+            <a:avLst/>
+          </a:prstGeom>
+          <a:solidFill>
+            <a:schemeClr val="bg1"/>
+          </a:solidFill>
+        </p:spPr>
+        <p:style>
+          <a:lnRef idx="2">
+            <a:schemeClr val="accent1">
+              <a:shade val="50000"/>
+            </a:schemeClr>
+          </a:lnRef>
+          <a:fillRef idx="1">
+            <a:schemeClr val="accent1"/>
+          </a:fillRef>
+          <a:effectRef idx="0">
+            <a:schemeClr val="accent1"/>
+          </a:effectRef>
+          <a:fontRef idx="minor">
+            <a:schemeClr val="lt1"/>
+          </a:fontRef>
+        </p:style>
+        <p:txBody>
+          <a:bodyPr rtlCol="0" anchor="ctr"/>
+          <a:p>
+            <a:pPr algn="ctr"/>
+            <a:endParaRPr lang="zh-CN" sz="800">
+              <a:solidFill>
+                <a:schemeClr val="tx1"/>
+              </a:solidFill>
+            </a:endParaRPr>
+          </a:p>
+        </p:txBody>
+      </p:sp>
+      <p:sp>
+        <p:nvSpPr>
+          <p:cNvPr id="79" name="文本框 78"/>
+          <p:cNvSpPr txBox="1"/>
+          <p:nvPr/>
+        </p:nvSpPr>
+        <p:spPr>
+          <a:xfrm>
+            <a:off x="8696960" y="3486150"/>
+            <a:ext cx="1028065" cy="214630"/>
+          </a:xfrm>
+          <a:prstGeom prst="rect">
+            <a:avLst/>
+          </a:prstGeom>
+          <a:noFill/>
+        </p:spPr>
+        <p:txBody>
+          <a:bodyPr wrap="square" rtlCol="0">
+            <a:spAutoFit/>
+          </a:bodyPr>
+          <a:p>
+            <a:r>
+              <a:rPr lang="en-US" altLang="zh-CN" sz="800">
+                <a:sym typeface="+mn-ea"/>
+              </a:rPr>
+              <a:t>1</a:t>
+            </a:r>
+            <a:r>
+              <a:rPr lang="zh-CN" altLang="en-US" sz="800">
+                <a:sym typeface="+mn-ea"/>
+              </a:rPr>
+              <a:t>级研究方向</a:t>
+            </a:r>
+            <a:endParaRPr lang="zh-CN" altLang="en-US" sz="800"/>
+          </a:p>
+        </p:txBody>
+      </p:sp>
+      <p:sp>
+        <p:nvSpPr>
+          <p:cNvPr id="90" name="矩形 89"/>
+          <p:cNvSpPr/>
+          <p:nvPr/>
+        </p:nvSpPr>
+        <p:spPr>
+          <a:xfrm>
+            <a:off x="9480550" y="3766185"/>
+            <a:ext cx="1104900" cy="219075"/>
+          </a:xfrm>
+          <a:prstGeom prst="rect">
+            <a:avLst/>
+          </a:prstGeom>
+          <a:solidFill>
+            <a:schemeClr val="bg1"/>
+          </a:solidFill>
+        </p:spPr>
+        <p:style>
+          <a:lnRef idx="2">
+            <a:schemeClr val="accent1">
+              <a:shade val="50000"/>
+            </a:schemeClr>
+          </a:lnRef>
+          <a:fillRef idx="1">
+            <a:schemeClr val="accent1"/>
+          </a:fillRef>
+          <a:effectRef idx="0">
+            <a:schemeClr val="accent1"/>
+          </a:effectRef>
+          <a:fontRef idx="minor">
+            <a:schemeClr val="lt1"/>
+          </a:fontRef>
+        </p:style>
+        <p:txBody>
+          <a:bodyPr rtlCol="0" anchor="ctr"/>
+          <a:p>
+            <a:pPr algn="ctr"/>
+            <a:endParaRPr lang="zh-CN" sz="800">
+              <a:solidFill>
+                <a:schemeClr val="tx1"/>
+              </a:solidFill>
+            </a:endParaRPr>
+          </a:p>
+        </p:txBody>
+      </p:sp>
+      <p:sp>
+        <p:nvSpPr>
+          <p:cNvPr id="91" name="文本框 90"/>
+          <p:cNvSpPr txBox="1"/>
+          <p:nvPr/>
+        </p:nvSpPr>
+        <p:spPr>
+          <a:xfrm>
+            <a:off x="8681085" y="3765550"/>
+            <a:ext cx="1028065" cy="214630"/>
+          </a:xfrm>
+          <a:prstGeom prst="rect">
+            <a:avLst/>
+          </a:prstGeom>
+          <a:noFill/>
+        </p:spPr>
+        <p:txBody>
+          <a:bodyPr wrap="square" rtlCol="0">
+            <a:spAutoFit/>
+          </a:bodyPr>
+          <a:p>
+            <a:r>
+              <a:rPr lang="en-US" altLang="zh-CN" sz="800">
+                <a:sym typeface="+mn-ea"/>
+              </a:rPr>
+              <a:t>2</a:t>
+            </a:r>
+            <a:r>
+              <a:rPr lang="zh-CN" altLang="en-US" sz="800">
+                <a:sym typeface="+mn-ea"/>
+              </a:rPr>
+              <a:t>级研究方向</a:t>
+            </a:r>
+            <a:endParaRPr lang="zh-CN" altLang="en-US" sz="800"/>
+          </a:p>
+        </p:txBody>
+      </p:sp>
+      <p:sp>
+        <p:nvSpPr>
+          <p:cNvPr id="92" name="文本框 91"/>
+          <p:cNvSpPr txBox="1"/>
+          <p:nvPr/>
+        </p:nvSpPr>
+        <p:spPr>
+          <a:xfrm>
+            <a:off x="8782050" y="4200525"/>
+            <a:ext cx="704850" cy="213360"/>
+          </a:xfrm>
+          <a:prstGeom prst="rect">
+            <a:avLst/>
+          </a:prstGeom>
+          <a:noFill/>
+        </p:spPr>
+        <p:txBody>
+          <a:bodyPr wrap="square" rtlCol="0">
+            <a:spAutoFit/>
+          </a:bodyPr>
+          <a:p>
+            <a:r>
+              <a:rPr lang="zh-CN" altLang="en-US" sz="800"/>
+              <a:t>关键字</a:t>
+            </a:r>
+            <a:endParaRPr lang="zh-CN" altLang="en-US" sz="800"/>
+          </a:p>
+        </p:txBody>
+      </p:sp>
+      <p:sp>
+        <p:nvSpPr>
+          <p:cNvPr id="93" name="矩形 92"/>
+          <p:cNvSpPr/>
+          <p:nvPr/>
+        </p:nvSpPr>
+        <p:spPr>
+          <a:xfrm>
+            <a:off x="9515475" y="4229100"/>
+            <a:ext cx="1133475" cy="219075"/>
+          </a:xfrm>
+          <a:prstGeom prst="rect">
+            <a:avLst/>
+          </a:prstGeom>
+          <a:solidFill>
+            <a:schemeClr val="bg1"/>
+          </a:solidFill>
+        </p:spPr>
+        <p:style>
+          <a:lnRef idx="2">
+            <a:schemeClr val="accent1">
+              <a:shade val="50000"/>
+            </a:schemeClr>
+          </a:lnRef>
+          <a:fillRef idx="1">
+            <a:schemeClr val="accent1"/>
+          </a:fillRef>
+          <a:effectRef idx="0">
+            <a:schemeClr val="accent1"/>
+          </a:effectRef>
+          <a:fontRef idx="minor">
+            <a:schemeClr val="lt1"/>
+          </a:fontRef>
+        </p:style>
+        <p:txBody>
+          <a:bodyPr rtlCol="0" anchor="ctr"/>
+          <a:p>
+            <a:pPr algn="ctr"/>
+            <a:endParaRPr lang="zh-CN" altLang="en-US">
               <a:solidFill>
                 <a:schemeClr val="tx1"/>
               </a:solidFill>
@@ -12998,6 +14221,786 @@
         <p:nvPr/>
       </p:nvGrpSpPr>
       <p:grpSpPr/>
+      <p:sp>
+        <p:nvSpPr>
+          <p:cNvPr id="55" name="矩形 54"/>
+          <p:cNvSpPr/>
+          <p:nvPr/>
+        </p:nvSpPr>
+        <p:spPr>
+          <a:xfrm>
+            <a:off x="313690" y="64770"/>
+            <a:ext cx="5541010" cy="5837555"/>
+          </a:xfrm>
+          <a:prstGeom prst="rect">
+            <a:avLst/>
+          </a:prstGeom>
+          <a:ln>
+            <a:solidFill>
+              <a:schemeClr val="bg2"/>
+            </a:solidFill>
+          </a:ln>
+        </p:spPr>
+        <p:style>
+          <a:lnRef idx="2">
+            <a:schemeClr val="accent6"/>
+          </a:lnRef>
+          <a:fillRef idx="1">
+            <a:schemeClr val="lt1"/>
+          </a:fillRef>
+          <a:effectRef idx="0">
+            <a:schemeClr val="accent6"/>
+          </a:effectRef>
+          <a:fontRef idx="minor">
+            <a:schemeClr val="dk1"/>
+          </a:fontRef>
+        </p:style>
+        <p:txBody>
+          <a:bodyPr rtlCol="0" anchor="ctr"/>
+          <a:p>
+            <a:pPr algn="ctr"/>
+            <a:endParaRPr lang="zh-CN" altLang="en-US"/>
+          </a:p>
+        </p:txBody>
+      </p:sp>
+      <p:sp>
+        <p:nvSpPr>
+          <p:cNvPr id="56" name="矩形 55"/>
+          <p:cNvSpPr/>
+          <p:nvPr/>
+        </p:nvSpPr>
+        <p:spPr>
+          <a:xfrm>
+            <a:off x="1099820" y="62865"/>
+            <a:ext cx="3975100" cy="608330"/>
+          </a:xfrm>
+          <a:prstGeom prst="rect">
+            <a:avLst/>
+          </a:prstGeom>
+        </p:spPr>
+        <p:style>
+          <a:lnRef idx="2">
+            <a:schemeClr val="accent1">
+              <a:shade val="50000"/>
+            </a:schemeClr>
+          </a:lnRef>
+          <a:fillRef idx="1">
+            <a:schemeClr val="accent1"/>
+          </a:fillRef>
+          <a:effectRef idx="0">
+            <a:schemeClr val="accent1"/>
+          </a:effectRef>
+          <a:fontRef idx="minor">
+            <a:schemeClr val="lt1"/>
+          </a:fontRef>
+        </p:style>
+        <p:txBody>
+          <a:bodyPr rtlCol="0" anchor="ctr"/>
+          <a:p>
+            <a:pPr algn="ctr"/>
+            <a:endParaRPr lang="zh-CN" altLang="en-US">
+              <a:solidFill>
+                <a:schemeClr val="bg1"/>
+              </a:solidFill>
+            </a:endParaRPr>
+          </a:p>
+        </p:txBody>
+      </p:sp>
+      <p:sp>
+        <p:nvSpPr>
+          <p:cNvPr id="57" name="矩形 56"/>
+          <p:cNvSpPr/>
+          <p:nvPr/>
+        </p:nvSpPr>
+        <p:spPr>
+          <a:xfrm>
+            <a:off x="1099185" y="62865"/>
+            <a:ext cx="1160145" cy="617855"/>
+          </a:xfrm>
+          <a:prstGeom prst="rect">
+            <a:avLst/>
+          </a:prstGeom>
+        </p:spPr>
+        <p:style>
+          <a:lnRef idx="2">
+            <a:schemeClr val="accent1">
+              <a:shade val="50000"/>
+            </a:schemeClr>
+          </a:lnRef>
+          <a:fillRef idx="1">
+            <a:schemeClr val="accent1"/>
+          </a:fillRef>
+          <a:effectRef idx="0">
+            <a:schemeClr val="accent1"/>
+          </a:effectRef>
+          <a:fontRef idx="minor">
+            <a:schemeClr val="lt1"/>
+          </a:fontRef>
+        </p:style>
+        <p:txBody>
+          <a:bodyPr rtlCol="0" anchor="ctr"/>
+          <a:p>
+            <a:pPr algn="ctr"/>
+            <a:r>
+              <a:rPr lang="en-US" altLang="zh-CN"/>
+              <a:t>LOGO</a:t>
+            </a:r>
+            <a:endParaRPr lang="en-US" altLang="zh-CN"/>
+          </a:p>
+        </p:txBody>
+      </p:sp>
+      <p:sp>
+        <p:nvSpPr>
+          <p:cNvPr id="58" name="矩形 57"/>
+          <p:cNvSpPr/>
+          <p:nvPr/>
+        </p:nvSpPr>
+        <p:spPr>
+          <a:xfrm>
+            <a:off x="3667125" y="72390"/>
+            <a:ext cx="646430" cy="598805"/>
+          </a:xfrm>
+          <a:prstGeom prst="rect">
+            <a:avLst/>
+          </a:prstGeom>
+        </p:spPr>
+        <p:style>
+          <a:lnRef idx="2">
+            <a:schemeClr val="accent1">
+              <a:shade val="50000"/>
+            </a:schemeClr>
+          </a:lnRef>
+          <a:fillRef idx="1">
+            <a:schemeClr val="accent1"/>
+          </a:fillRef>
+          <a:effectRef idx="0">
+            <a:schemeClr val="accent1"/>
+          </a:effectRef>
+          <a:fontRef idx="minor">
+            <a:schemeClr val="lt1"/>
+          </a:fontRef>
+        </p:style>
+        <p:txBody>
+          <a:bodyPr rtlCol="0" anchor="ctr"/>
+          <a:p>
+            <a:pPr algn="ctr"/>
+            <a:r>
+              <a:rPr lang="zh-CN" altLang="zh-CN"/>
+              <a:t>管理员</a:t>
+            </a:r>
+            <a:endParaRPr lang="zh-CN" altLang="zh-CN"/>
+          </a:p>
+        </p:txBody>
+      </p:sp>
+      <p:sp>
+        <p:nvSpPr>
+          <p:cNvPr id="59" name="矩形 58"/>
+          <p:cNvSpPr/>
+          <p:nvPr/>
+        </p:nvSpPr>
+        <p:spPr>
+          <a:xfrm>
+            <a:off x="4332605" y="72390"/>
+            <a:ext cx="608965" cy="608330"/>
+          </a:xfrm>
+          <a:prstGeom prst="rect">
+            <a:avLst/>
+          </a:prstGeom>
+        </p:spPr>
+        <p:style>
+          <a:lnRef idx="2">
+            <a:schemeClr val="accent1">
+              <a:shade val="50000"/>
+            </a:schemeClr>
+          </a:lnRef>
+          <a:fillRef idx="1">
+            <a:schemeClr val="accent1"/>
+          </a:fillRef>
+          <a:effectRef idx="0">
+            <a:schemeClr val="accent1"/>
+          </a:effectRef>
+          <a:fontRef idx="minor">
+            <a:schemeClr val="lt1"/>
+          </a:fontRef>
+        </p:style>
+        <p:txBody>
+          <a:bodyPr rtlCol="0" anchor="ctr"/>
+          <a:p>
+            <a:pPr algn="ctr"/>
+            <a:r>
+              <a:rPr lang="zh-CN" altLang="en-US"/>
+              <a:t>登出</a:t>
+            </a:r>
+            <a:endParaRPr lang="zh-CN" altLang="en-US"/>
+          </a:p>
+        </p:txBody>
+      </p:sp>
+      <p:sp>
+        <p:nvSpPr>
+          <p:cNvPr id="60" name="矩形 59"/>
+          <p:cNvSpPr/>
+          <p:nvPr/>
+        </p:nvSpPr>
+        <p:spPr>
+          <a:xfrm>
+            <a:off x="1346200" y="1432560"/>
+            <a:ext cx="1216660" cy="314325"/>
+          </a:xfrm>
+          <a:prstGeom prst="rect">
+            <a:avLst/>
+          </a:prstGeom>
+          <a:solidFill>
+            <a:schemeClr val="bg1"/>
+          </a:solidFill>
+        </p:spPr>
+        <p:style>
+          <a:lnRef idx="2">
+            <a:schemeClr val="accent1">
+              <a:shade val="50000"/>
+            </a:schemeClr>
+          </a:lnRef>
+          <a:fillRef idx="1">
+            <a:schemeClr val="accent1"/>
+          </a:fillRef>
+          <a:effectRef idx="0">
+            <a:schemeClr val="accent1"/>
+          </a:effectRef>
+          <a:fontRef idx="minor">
+            <a:schemeClr val="lt1"/>
+          </a:fontRef>
+        </p:style>
+        <p:txBody>
+          <a:bodyPr rtlCol="0" anchor="ctr"/>
+          <a:p>
+            <a:pPr algn="ctr"/>
+            <a:r>
+              <a:rPr lang="zh-CN" altLang="en-US">
+                <a:solidFill>
+                  <a:schemeClr val="tx1"/>
+                </a:solidFill>
+              </a:rPr>
+              <a:t>个人信息</a:t>
+            </a:r>
+            <a:endParaRPr lang="zh-CN" altLang="en-US">
+              <a:solidFill>
+                <a:schemeClr val="tx1"/>
+              </a:solidFill>
+            </a:endParaRPr>
+          </a:p>
+        </p:txBody>
+      </p:sp>
+      <p:sp>
+        <p:nvSpPr>
+          <p:cNvPr id="61" name="矩形 60"/>
+          <p:cNvSpPr/>
+          <p:nvPr/>
+        </p:nvSpPr>
+        <p:spPr>
+          <a:xfrm>
+            <a:off x="1340485" y="1806575"/>
+            <a:ext cx="1216660" cy="314325"/>
+          </a:xfrm>
+          <a:prstGeom prst="rect">
+            <a:avLst/>
+          </a:prstGeom>
+          <a:solidFill>
+            <a:schemeClr val="bg1"/>
+          </a:solidFill>
+        </p:spPr>
+        <p:style>
+          <a:lnRef idx="2">
+            <a:schemeClr val="accent1">
+              <a:shade val="50000"/>
+            </a:schemeClr>
+          </a:lnRef>
+          <a:fillRef idx="1">
+            <a:schemeClr val="accent1"/>
+          </a:fillRef>
+          <a:effectRef idx="0">
+            <a:schemeClr val="accent1"/>
+          </a:effectRef>
+          <a:fontRef idx="minor">
+            <a:schemeClr val="lt1"/>
+          </a:fontRef>
+        </p:style>
+        <p:txBody>
+          <a:bodyPr rtlCol="0" anchor="ctr"/>
+          <a:p>
+            <a:pPr algn="ctr"/>
+            <a:r>
+              <a:rPr lang="zh-CN" altLang="en-US">
+                <a:solidFill>
+                  <a:schemeClr val="tx1"/>
+                </a:solidFill>
+              </a:rPr>
+              <a:t>信息导入</a:t>
+            </a:r>
+            <a:endParaRPr lang="zh-CN" altLang="en-US">
+              <a:solidFill>
+                <a:schemeClr val="tx1"/>
+              </a:solidFill>
+            </a:endParaRPr>
+          </a:p>
+        </p:txBody>
+      </p:sp>
+      <p:sp>
+        <p:nvSpPr>
+          <p:cNvPr id="62" name="矩形 61"/>
+          <p:cNvSpPr/>
+          <p:nvPr/>
+        </p:nvSpPr>
+        <p:spPr>
+          <a:xfrm>
+            <a:off x="2697480" y="1442085"/>
+            <a:ext cx="2348865" cy="2767965"/>
+          </a:xfrm>
+          <a:prstGeom prst="rect">
+            <a:avLst/>
+          </a:prstGeom>
+          <a:noFill/>
+        </p:spPr>
+        <p:style>
+          <a:lnRef idx="2">
+            <a:schemeClr val="accent1">
+              <a:shade val="50000"/>
+            </a:schemeClr>
+          </a:lnRef>
+          <a:fillRef idx="1">
+            <a:schemeClr val="accent1"/>
+          </a:fillRef>
+          <a:effectRef idx="0">
+            <a:schemeClr val="accent1"/>
+          </a:effectRef>
+          <a:fontRef idx="minor">
+            <a:schemeClr val="lt1"/>
+          </a:fontRef>
+        </p:style>
+        <p:txBody>
+          <a:bodyPr rtlCol="0" anchor="ctr"/>
+          <a:p>
+            <a:pPr algn="ctr"/>
+            <a:endParaRPr lang="zh-CN" altLang="en-US"/>
+          </a:p>
+        </p:txBody>
+      </p:sp>
+      <p:sp>
+        <p:nvSpPr>
+          <p:cNvPr id="63" name="矩形 62"/>
+          <p:cNvSpPr/>
+          <p:nvPr/>
+        </p:nvSpPr>
+        <p:spPr>
+          <a:xfrm>
+            <a:off x="1334135" y="2238375"/>
+            <a:ext cx="1216660" cy="314325"/>
+          </a:xfrm>
+          <a:prstGeom prst="rect">
+            <a:avLst/>
+          </a:prstGeom>
+          <a:solidFill>
+            <a:schemeClr val="bg1"/>
+          </a:solidFill>
+        </p:spPr>
+        <p:style>
+          <a:lnRef idx="2">
+            <a:schemeClr val="accent1">
+              <a:shade val="50000"/>
+            </a:schemeClr>
+          </a:lnRef>
+          <a:fillRef idx="1">
+            <a:schemeClr val="accent1"/>
+          </a:fillRef>
+          <a:effectRef idx="0">
+            <a:schemeClr val="accent1"/>
+          </a:effectRef>
+          <a:fontRef idx="minor">
+            <a:schemeClr val="lt1"/>
+          </a:fontRef>
+        </p:style>
+        <p:txBody>
+          <a:bodyPr rtlCol="0" anchor="ctr"/>
+          <a:p>
+            <a:pPr algn="ctr"/>
+            <a:r>
+              <a:rPr lang="zh-CN" altLang="en-US">
+                <a:solidFill>
+                  <a:schemeClr val="tx1"/>
+                </a:solidFill>
+              </a:rPr>
+              <a:t>信息管理</a:t>
+            </a:r>
+            <a:endParaRPr lang="zh-CN" altLang="en-US">
+              <a:solidFill>
+                <a:schemeClr val="tx1"/>
+              </a:solidFill>
+            </a:endParaRPr>
+          </a:p>
+        </p:txBody>
+      </p:sp>
+      <p:sp>
+        <p:nvSpPr>
+          <p:cNvPr id="64" name="矩形 63"/>
+          <p:cNvSpPr/>
+          <p:nvPr/>
+        </p:nvSpPr>
+        <p:spPr>
+          <a:xfrm>
+            <a:off x="1324610" y="3067050"/>
+            <a:ext cx="1216660" cy="314325"/>
+          </a:xfrm>
+          <a:prstGeom prst="rect">
+            <a:avLst/>
+          </a:prstGeom>
+          <a:solidFill>
+            <a:schemeClr val="accent1"/>
+          </a:solidFill>
+        </p:spPr>
+        <p:style>
+          <a:lnRef idx="2">
+            <a:schemeClr val="accent1">
+              <a:shade val="50000"/>
+            </a:schemeClr>
+          </a:lnRef>
+          <a:fillRef idx="1">
+            <a:schemeClr val="accent1"/>
+          </a:fillRef>
+          <a:effectRef idx="0">
+            <a:schemeClr val="accent1"/>
+          </a:effectRef>
+          <a:fontRef idx="minor">
+            <a:schemeClr val="lt1"/>
+          </a:fontRef>
+        </p:style>
+        <p:txBody>
+          <a:bodyPr rtlCol="0" anchor="ctr"/>
+          <a:p>
+            <a:pPr algn="ctr"/>
+            <a:r>
+              <a:rPr lang="zh-CN" altLang="en-US">
+                <a:solidFill>
+                  <a:schemeClr val="bg1"/>
+                </a:solidFill>
+              </a:rPr>
+              <a:t>匹配结果</a:t>
+            </a:r>
+            <a:endParaRPr lang="zh-CN" altLang="en-US">
+              <a:solidFill>
+                <a:schemeClr val="bg1"/>
+              </a:solidFill>
+            </a:endParaRPr>
+          </a:p>
+        </p:txBody>
+      </p:sp>
+      <p:sp>
+        <p:nvSpPr>
+          <p:cNvPr id="68" name="矩形 67"/>
+          <p:cNvSpPr/>
+          <p:nvPr/>
+        </p:nvSpPr>
+        <p:spPr>
+          <a:xfrm>
+            <a:off x="1318260" y="2651125"/>
+            <a:ext cx="1216660" cy="314325"/>
+          </a:xfrm>
+          <a:prstGeom prst="rect">
+            <a:avLst/>
+          </a:prstGeom>
+          <a:solidFill>
+            <a:schemeClr val="bg1"/>
+          </a:solidFill>
+        </p:spPr>
+        <p:style>
+          <a:lnRef idx="2">
+            <a:schemeClr val="accent1">
+              <a:shade val="50000"/>
+            </a:schemeClr>
+          </a:lnRef>
+          <a:fillRef idx="1">
+            <a:schemeClr val="accent1"/>
+          </a:fillRef>
+          <a:effectRef idx="0">
+            <a:schemeClr val="accent1"/>
+          </a:effectRef>
+          <a:fontRef idx="minor">
+            <a:schemeClr val="lt1"/>
+          </a:fontRef>
+        </p:style>
+        <p:txBody>
+          <a:bodyPr rtlCol="0" anchor="ctr"/>
+          <a:p>
+            <a:pPr algn="ctr"/>
+            <a:r>
+              <a:rPr lang="zh-CN" altLang="en-US">
+                <a:solidFill>
+                  <a:schemeClr val="tx1"/>
+                </a:solidFill>
+              </a:rPr>
+              <a:t>关键字</a:t>
+            </a:r>
+            <a:endParaRPr lang="zh-CN" altLang="en-US">
+              <a:solidFill>
+                <a:schemeClr val="tx1"/>
+              </a:solidFill>
+            </a:endParaRPr>
+          </a:p>
+        </p:txBody>
+      </p:sp>
+      <p:sp>
+        <p:nvSpPr>
+          <p:cNvPr id="74" name="矩形 73"/>
+          <p:cNvSpPr/>
+          <p:nvPr/>
+        </p:nvSpPr>
+        <p:spPr>
+          <a:xfrm>
+            <a:off x="2829560" y="1552575"/>
+            <a:ext cx="1066165" cy="171450"/>
+          </a:xfrm>
+          <a:prstGeom prst="rect">
+            <a:avLst/>
+          </a:prstGeom>
+        </p:spPr>
+        <p:style>
+          <a:lnRef idx="2">
+            <a:schemeClr val="accent1">
+              <a:shade val="50000"/>
+            </a:schemeClr>
+          </a:lnRef>
+          <a:fillRef idx="1">
+            <a:schemeClr val="accent1"/>
+          </a:fillRef>
+          <a:effectRef idx="0">
+            <a:schemeClr val="accent1"/>
+          </a:effectRef>
+          <a:fontRef idx="minor">
+            <a:schemeClr val="lt1"/>
+          </a:fontRef>
+        </p:style>
+        <p:txBody>
+          <a:bodyPr rtlCol="0" anchor="ctr"/>
+          <a:p>
+            <a:pPr algn="ctr"/>
+            <a:r>
+              <a:rPr lang="zh-CN" altLang="en-US" sz="800"/>
+              <a:t>开始匹配</a:t>
+            </a:r>
+            <a:endParaRPr lang="zh-CN" altLang="en-US" sz="800"/>
+          </a:p>
+        </p:txBody>
+      </p:sp>
+      <p:sp>
+        <p:nvSpPr>
+          <p:cNvPr id="5" name="矩形 4"/>
+          <p:cNvSpPr/>
+          <p:nvPr/>
+        </p:nvSpPr>
+        <p:spPr>
+          <a:xfrm>
+            <a:off x="2809875" y="3943350"/>
+            <a:ext cx="1437640" cy="171450"/>
+          </a:xfrm>
+          <a:prstGeom prst="rect">
+            <a:avLst/>
+          </a:prstGeom>
+        </p:spPr>
+        <p:style>
+          <a:lnRef idx="2">
+            <a:schemeClr val="accent1">
+              <a:shade val="50000"/>
+            </a:schemeClr>
+          </a:lnRef>
+          <a:fillRef idx="1">
+            <a:schemeClr val="accent1"/>
+          </a:fillRef>
+          <a:effectRef idx="0">
+            <a:schemeClr val="accent1"/>
+          </a:effectRef>
+          <a:fontRef idx="minor">
+            <a:schemeClr val="lt1"/>
+          </a:fontRef>
+        </p:style>
+        <p:txBody>
+          <a:bodyPr rtlCol="0" anchor="ctr"/>
+          <a:p>
+            <a:pPr algn="ctr"/>
+            <a:r>
+              <a:rPr lang="zh-CN" altLang="en-US" sz="800"/>
+              <a:t>导出结果</a:t>
+            </a:r>
+            <a:endParaRPr lang="zh-CN" altLang="en-US" sz="800"/>
+          </a:p>
+        </p:txBody>
+      </p:sp>
+      <p:sp>
+        <p:nvSpPr>
+          <p:cNvPr id="7" name="文本框 6"/>
+          <p:cNvSpPr txBox="1"/>
+          <p:nvPr/>
+        </p:nvSpPr>
+        <p:spPr>
+          <a:xfrm>
+            <a:off x="2657475" y="1866900"/>
+            <a:ext cx="2552700" cy="214630"/>
+          </a:xfrm>
+          <a:prstGeom prst="rect">
+            <a:avLst/>
+          </a:prstGeom>
+          <a:noFill/>
+        </p:spPr>
+        <p:txBody>
+          <a:bodyPr wrap="square" rtlCol="0">
+            <a:spAutoFit/>
+          </a:bodyPr>
+          <a:p>
+            <a:r>
+              <a:rPr lang="zh-CN" altLang="en-US" sz="800"/>
+              <a:t>学号     姓名        论文标题             匹配老师          匹配度</a:t>
+            </a:r>
+            <a:endParaRPr lang="zh-CN" altLang="en-US" sz="800"/>
+          </a:p>
+        </p:txBody>
+      </p:sp>
+      <p:sp>
+        <p:nvSpPr>
+          <p:cNvPr id="8" name="文本框 7"/>
+          <p:cNvSpPr txBox="1"/>
+          <p:nvPr/>
+        </p:nvSpPr>
+        <p:spPr>
+          <a:xfrm>
+            <a:off x="2680970" y="2251075"/>
+            <a:ext cx="2371725" cy="214630"/>
+          </a:xfrm>
+          <a:prstGeom prst="rect">
+            <a:avLst/>
+          </a:prstGeom>
+          <a:noFill/>
+        </p:spPr>
+        <p:txBody>
+          <a:bodyPr wrap="square" rtlCol="0">
+            <a:spAutoFit/>
+          </a:bodyPr>
+          <a:p>
+            <a:r>
+              <a:rPr lang="en-US" altLang="zh-CN" sz="800"/>
+              <a:t>01</a:t>
+            </a:r>
+            <a:r>
+              <a:rPr lang="zh-CN" altLang="en-US" sz="800"/>
+              <a:t>       王五            信息论                  张三             </a:t>
+            </a:r>
+            <a:r>
+              <a:rPr lang="en-US" altLang="zh-CN" sz="800"/>
+              <a:t>89</a:t>
+            </a:r>
+            <a:endParaRPr lang="en-US" altLang="zh-CN" sz="800"/>
+          </a:p>
+        </p:txBody>
+      </p:sp>
+      <p:sp>
+        <p:nvSpPr>
+          <p:cNvPr id="9" name="文本框 8"/>
+          <p:cNvSpPr txBox="1"/>
+          <p:nvPr/>
+        </p:nvSpPr>
+        <p:spPr>
+          <a:xfrm>
+            <a:off x="2665095" y="2501900"/>
+            <a:ext cx="2371725" cy="214630"/>
+          </a:xfrm>
+          <a:prstGeom prst="rect">
+            <a:avLst/>
+          </a:prstGeom>
+          <a:noFill/>
+        </p:spPr>
+        <p:txBody>
+          <a:bodyPr wrap="square" rtlCol="0">
+            <a:spAutoFit/>
+          </a:bodyPr>
+          <a:p>
+            <a:r>
+              <a:rPr lang="en-US" altLang="zh-CN" sz="800"/>
+              <a:t>01</a:t>
+            </a:r>
+            <a:r>
+              <a:rPr lang="zh-CN" altLang="en-US" sz="800"/>
+              <a:t>       王五            信息论                  张三             </a:t>
+            </a:r>
+            <a:r>
+              <a:rPr lang="en-US" altLang="zh-CN" sz="800"/>
+              <a:t>89</a:t>
+            </a:r>
+            <a:endParaRPr lang="en-US" altLang="zh-CN" sz="800"/>
+          </a:p>
+        </p:txBody>
+      </p:sp>
+      <p:sp>
+        <p:nvSpPr>
+          <p:cNvPr id="15" name="文本框 14"/>
+          <p:cNvSpPr txBox="1"/>
+          <p:nvPr/>
+        </p:nvSpPr>
+        <p:spPr>
+          <a:xfrm>
+            <a:off x="2674620" y="2768600"/>
+            <a:ext cx="2371725" cy="214630"/>
+          </a:xfrm>
+          <a:prstGeom prst="rect">
+            <a:avLst/>
+          </a:prstGeom>
+          <a:noFill/>
+        </p:spPr>
+        <p:txBody>
+          <a:bodyPr wrap="square" rtlCol="0">
+            <a:spAutoFit/>
+          </a:bodyPr>
+          <a:p>
+            <a:r>
+              <a:rPr lang="en-US" altLang="zh-CN" sz="800"/>
+              <a:t>01</a:t>
+            </a:r>
+            <a:r>
+              <a:rPr lang="zh-CN" altLang="en-US" sz="800"/>
+              <a:t>       王五            信息论                  张三             </a:t>
+            </a:r>
+            <a:r>
+              <a:rPr lang="en-US" altLang="zh-CN" sz="800"/>
+              <a:t>89</a:t>
+            </a:r>
+            <a:endParaRPr lang="en-US" altLang="zh-CN" sz="800"/>
+          </a:p>
+        </p:txBody>
+      </p:sp>
+      <p:cxnSp>
+        <p:nvCxnSpPr>
+          <p:cNvPr id="16" name="直接连接符 15"/>
+          <p:cNvCxnSpPr/>
+          <p:nvPr/>
+        </p:nvCxnSpPr>
+        <p:spPr>
+          <a:xfrm>
+            <a:off x="2733675" y="2162175"/>
+            <a:ext cx="2209800" cy="0"/>
+          </a:xfrm>
+          <a:prstGeom prst="line">
+            <a:avLst/>
+          </a:prstGeom>
+        </p:spPr>
+        <p:style>
+          <a:lnRef idx="1">
+            <a:schemeClr val="accent1"/>
+          </a:lnRef>
+          <a:fillRef idx="0">
+            <a:schemeClr val="accent1"/>
+          </a:fillRef>
+          <a:effectRef idx="0">
+            <a:schemeClr val="accent1"/>
+          </a:effectRef>
+          <a:fontRef idx="minor">
+            <a:schemeClr val="tx1"/>
+          </a:fontRef>
+        </p:style>
+      </p:cxnSp>
     </p:spTree>
   </p:cSld>
   <p:clrMapOvr>
